--- a/UAM_RWY_crossing.pptx
+++ b/UAM_RWY_crossing.pptx
@@ -261,7 +261,7 @@
           <a:p>
             <a:fld id="{01C999C3-E182-4DFE-8C2E-1308AA53FDBD}" type="datetimeFigureOut">
               <a:rPr lang="ko-KR" altLang="en-US" smtClean="0"/>
-              <a:t>2021-08-03</a:t>
+              <a:t>2021-08-10</a:t>
             </a:fld>
             <a:endParaRPr lang="ko-KR" altLang="en-US"/>
           </a:p>
@@ -459,7 +459,7 @@
           <a:p>
             <a:fld id="{01C999C3-E182-4DFE-8C2E-1308AA53FDBD}" type="datetimeFigureOut">
               <a:rPr lang="ko-KR" altLang="en-US" smtClean="0"/>
-              <a:t>2021-08-03</a:t>
+              <a:t>2021-08-10</a:t>
             </a:fld>
             <a:endParaRPr lang="ko-KR" altLang="en-US"/>
           </a:p>
@@ -667,7 +667,7 @@
           <a:p>
             <a:fld id="{01C999C3-E182-4DFE-8C2E-1308AA53FDBD}" type="datetimeFigureOut">
               <a:rPr lang="ko-KR" altLang="en-US" smtClean="0"/>
-              <a:t>2021-08-03</a:t>
+              <a:t>2021-08-10</a:t>
             </a:fld>
             <a:endParaRPr lang="ko-KR" altLang="en-US"/>
           </a:p>
@@ -865,7 +865,7 @@
           <a:p>
             <a:fld id="{01C999C3-E182-4DFE-8C2E-1308AA53FDBD}" type="datetimeFigureOut">
               <a:rPr lang="ko-KR" altLang="en-US" smtClean="0"/>
-              <a:t>2021-08-03</a:t>
+              <a:t>2021-08-10</a:t>
             </a:fld>
             <a:endParaRPr lang="ko-KR" altLang="en-US"/>
           </a:p>
@@ -1140,7 +1140,7 @@
           <a:p>
             <a:fld id="{01C999C3-E182-4DFE-8C2E-1308AA53FDBD}" type="datetimeFigureOut">
               <a:rPr lang="ko-KR" altLang="en-US" smtClean="0"/>
-              <a:t>2021-08-03</a:t>
+              <a:t>2021-08-10</a:t>
             </a:fld>
             <a:endParaRPr lang="ko-KR" altLang="en-US"/>
           </a:p>
@@ -1405,7 +1405,7 @@
           <a:p>
             <a:fld id="{01C999C3-E182-4DFE-8C2E-1308AA53FDBD}" type="datetimeFigureOut">
               <a:rPr lang="ko-KR" altLang="en-US" smtClean="0"/>
-              <a:t>2021-08-03</a:t>
+              <a:t>2021-08-10</a:t>
             </a:fld>
             <a:endParaRPr lang="ko-KR" altLang="en-US"/>
           </a:p>
@@ -1817,7 +1817,7 @@
           <a:p>
             <a:fld id="{01C999C3-E182-4DFE-8C2E-1308AA53FDBD}" type="datetimeFigureOut">
               <a:rPr lang="ko-KR" altLang="en-US" smtClean="0"/>
-              <a:t>2021-08-03</a:t>
+              <a:t>2021-08-10</a:t>
             </a:fld>
             <a:endParaRPr lang="ko-KR" altLang="en-US"/>
           </a:p>
@@ -1958,7 +1958,7 @@
           <a:p>
             <a:fld id="{01C999C3-E182-4DFE-8C2E-1308AA53FDBD}" type="datetimeFigureOut">
               <a:rPr lang="ko-KR" altLang="en-US" smtClean="0"/>
-              <a:t>2021-08-03</a:t>
+              <a:t>2021-08-10</a:t>
             </a:fld>
             <a:endParaRPr lang="ko-KR" altLang="en-US"/>
           </a:p>
@@ -2071,7 +2071,7 @@
           <a:p>
             <a:fld id="{01C999C3-E182-4DFE-8C2E-1308AA53FDBD}" type="datetimeFigureOut">
               <a:rPr lang="ko-KR" altLang="en-US" smtClean="0"/>
-              <a:t>2021-08-03</a:t>
+              <a:t>2021-08-10</a:t>
             </a:fld>
             <a:endParaRPr lang="ko-KR" altLang="en-US"/>
           </a:p>
@@ -2382,7 +2382,7 @@
           <a:p>
             <a:fld id="{01C999C3-E182-4DFE-8C2E-1308AA53FDBD}" type="datetimeFigureOut">
               <a:rPr lang="ko-KR" altLang="en-US" smtClean="0"/>
-              <a:t>2021-08-03</a:t>
+              <a:t>2021-08-10</a:t>
             </a:fld>
             <a:endParaRPr lang="ko-KR" altLang="en-US"/>
           </a:p>
@@ -2670,7 +2670,7 @@
           <a:p>
             <a:fld id="{01C999C3-E182-4DFE-8C2E-1308AA53FDBD}" type="datetimeFigureOut">
               <a:rPr lang="ko-KR" altLang="en-US" smtClean="0"/>
-              <a:t>2021-08-03</a:t>
+              <a:t>2021-08-10</a:t>
             </a:fld>
             <a:endParaRPr lang="ko-KR" altLang="en-US"/>
           </a:p>
@@ -2911,7 +2911,7 @@
           <a:p>
             <a:fld id="{01C999C3-E182-4DFE-8C2E-1308AA53FDBD}" type="datetimeFigureOut">
               <a:rPr lang="ko-KR" altLang="en-US" smtClean="0"/>
-              <a:t>2021-08-03</a:t>
+              <a:t>2021-08-10</a:t>
             </a:fld>
             <a:endParaRPr lang="ko-KR" altLang="en-US"/>
           </a:p>
@@ -3342,7 +3342,7 @@
         </p:nvSpPr>
         <p:spPr>
           <a:xfrm>
-            <a:off x="738231" y="4102217"/>
+            <a:off x="1786855" y="2181139"/>
             <a:ext cx="10544962" cy="805343"/>
           </a:xfrm>
           <a:prstGeom prst="parallelogram">
@@ -3396,7 +3396,7 @@
         </p:nvCxnSpPr>
         <p:spPr>
           <a:xfrm>
-            <a:off x="10259734" y="4219663"/>
+            <a:off x="11308358" y="2298585"/>
             <a:ext cx="713064" cy="0"/>
           </a:xfrm>
           <a:prstGeom prst="line">
@@ -3437,7 +3437,7 @@
         </p:nvCxnSpPr>
         <p:spPr>
           <a:xfrm>
-            <a:off x="10138791" y="4316136"/>
+            <a:off x="11187415" y="2395058"/>
             <a:ext cx="713064" cy="0"/>
           </a:xfrm>
           <a:prstGeom prst="line">
@@ -3478,7 +3478,7 @@
         </p:nvCxnSpPr>
         <p:spPr>
           <a:xfrm>
-            <a:off x="10017850" y="4412609"/>
+            <a:off x="11066474" y="2491531"/>
             <a:ext cx="713064" cy="0"/>
           </a:xfrm>
           <a:prstGeom prst="line">
@@ -3519,7 +3519,7 @@
         </p:nvCxnSpPr>
         <p:spPr>
           <a:xfrm>
-            <a:off x="9775968" y="4605555"/>
+            <a:off x="10824592" y="2684477"/>
             <a:ext cx="713064" cy="0"/>
           </a:xfrm>
           <a:prstGeom prst="line">
@@ -3560,7 +3560,7 @@
         </p:nvCxnSpPr>
         <p:spPr>
           <a:xfrm>
-            <a:off x="9655027" y="4702028"/>
+            <a:off x="10703651" y="2780950"/>
             <a:ext cx="713064" cy="0"/>
           </a:xfrm>
           <a:prstGeom prst="line">
@@ -3601,7 +3601,7 @@
         </p:nvCxnSpPr>
         <p:spPr>
           <a:xfrm>
-            <a:off x="9534086" y="4798503"/>
+            <a:off x="10582710" y="2877425"/>
             <a:ext cx="713064" cy="0"/>
           </a:xfrm>
           <a:prstGeom prst="line">
@@ -3642,7 +3642,7 @@
         </p:nvCxnSpPr>
         <p:spPr>
           <a:xfrm>
-            <a:off x="8821022" y="4509082"/>
+            <a:off x="9869646" y="2588004"/>
             <a:ext cx="713064" cy="0"/>
           </a:xfrm>
           <a:prstGeom prst="line">
@@ -3683,7 +3683,7 @@
         </p:nvCxnSpPr>
         <p:spPr>
           <a:xfrm>
-            <a:off x="7773099" y="4509082"/>
+            <a:off x="8821723" y="2588004"/>
             <a:ext cx="713064" cy="0"/>
           </a:xfrm>
           <a:prstGeom prst="line">
@@ -3724,7 +3724,7 @@
         </p:nvCxnSpPr>
         <p:spPr>
           <a:xfrm>
-            <a:off x="6725174" y="4509082"/>
+            <a:off x="7773798" y="2588004"/>
             <a:ext cx="713064" cy="0"/>
           </a:xfrm>
           <a:prstGeom prst="line">
@@ -3765,7 +3765,7 @@
         </p:nvCxnSpPr>
         <p:spPr>
           <a:xfrm>
-            <a:off x="5677249" y="4509082"/>
+            <a:off x="6725873" y="2588004"/>
             <a:ext cx="713064" cy="0"/>
           </a:xfrm>
           <a:prstGeom prst="line">
@@ -3806,7 +3806,7 @@
         </p:nvCxnSpPr>
         <p:spPr>
           <a:xfrm>
-            <a:off x="4629324" y="4509082"/>
+            <a:off x="5677948" y="2588004"/>
             <a:ext cx="713064" cy="0"/>
           </a:xfrm>
           <a:prstGeom prst="line">
@@ -3847,7 +3847,7 @@
         </p:nvCxnSpPr>
         <p:spPr>
           <a:xfrm>
-            <a:off x="3581399" y="4509082"/>
+            <a:off x="4630023" y="2588004"/>
             <a:ext cx="713064" cy="0"/>
           </a:xfrm>
           <a:prstGeom prst="line">
@@ -3888,7 +3888,7 @@
         </p:nvCxnSpPr>
         <p:spPr>
           <a:xfrm>
-            <a:off x="2533474" y="4509082"/>
+            <a:off x="3582098" y="2588004"/>
             <a:ext cx="713064" cy="0"/>
           </a:xfrm>
           <a:prstGeom prst="line">
@@ -3929,7 +3929,7 @@
         </p:nvCxnSpPr>
         <p:spPr>
           <a:xfrm>
-            <a:off x="1820410" y="4219663"/>
+            <a:off x="2869034" y="2298585"/>
             <a:ext cx="713064" cy="0"/>
           </a:xfrm>
           <a:prstGeom prst="line">
@@ -3970,7 +3970,7 @@
         </p:nvCxnSpPr>
         <p:spPr>
           <a:xfrm>
-            <a:off x="1699467" y="4316136"/>
+            <a:off x="2748091" y="2395058"/>
             <a:ext cx="713064" cy="0"/>
           </a:xfrm>
           <a:prstGeom prst="line">
@@ -4011,7 +4011,7 @@
         </p:nvCxnSpPr>
         <p:spPr>
           <a:xfrm>
-            <a:off x="1578526" y="4412609"/>
+            <a:off x="2627150" y="2491531"/>
             <a:ext cx="713064" cy="0"/>
           </a:xfrm>
           <a:prstGeom prst="line">
@@ -4052,7 +4052,7 @@
         </p:nvCxnSpPr>
         <p:spPr>
           <a:xfrm>
-            <a:off x="1336644" y="4605555"/>
+            <a:off x="2385268" y="2684477"/>
             <a:ext cx="713064" cy="0"/>
           </a:xfrm>
           <a:prstGeom prst="line">
@@ -4093,7 +4093,7 @@
         </p:nvCxnSpPr>
         <p:spPr>
           <a:xfrm>
-            <a:off x="1215703" y="4702028"/>
+            <a:off x="2264327" y="2780950"/>
             <a:ext cx="713064" cy="0"/>
           </a:xfrm>
           <a:prstGeom prst="line">
@@ -4134,7 +4134,7 @@
         </p:nvCxnSpPr>
         <p:spPr>
           <a:xfrm>
-            <a:off x="1094762" y="4798503"/>
+            <a:off x="2143386" y="2877425"/>
             <a:ext cx="713064" cy="0"/>
           </a:xfrm>
           <a:prstGeom prst="line">
@@ -4191,7 +4191,7 @@
         </p:blipFill>
         <p:spPr>
           <a:xfrm rot="1007812">
-            <a:off x="758502" y="3056567"/>
+            <a:off x="1119386" y="799765"/>
             <a:ext cx="914400" cy="646715"/>
           </a:xfrm>
           <a:prstGeom prst="rect">
@@ -4215,7 +4215,7 @@
         </p:nvCxnSpPr>
         <p:spPr>
           <a:xfrm>
-            <a:off x="0" y="3178832"/>
+            <a:off x="1048624" y="1257754"/>
             <a:ext cx="3578224" cy="1292150"/>
           </a:xfrm>
           <a:prstGeom prst="line">
@@ -4258,7 +4258,7 @@
         </p:nvCxnSpPr>
         <p:spPr>
           <a:xfrm flipV="1">
-            <a:off x="8654096" y="1355606"/>
+            <a:off x="7453494" y="1874053"/>
             <a:ext cx="3578224" cy="3112316"/>
           </a:xfrm>
           <a:prstGeom prst="line">
@@ -4311,7 +4311,7 @@
         </p:blipFill>
         <p:spPr>
           <a:xfrm rot="18626566">
-            <a:off x="9802534" y="2402109"/>
+            <a:off x="8314701" y="3157668"/>
             <a:ext cx="914400" cy="646715"/>
           </a:xfrm>
           <a:prstGeom prst="rect">
@@ -4321,67 +4321,6 @@
       </p:pic>
       <p:sp>
         <p:nvSpPr>
-          <p:cNvPr id="32" name="평행 사변형 31">
-            <a:extLst>
-              <a:ext uri="{FF2B5EF4-FFF2-40B4-BE49-F238E27FC236}">
-                <a16:creationId xmlns:a16="http://schemas.microsoft.com/office/drawing/2014/main" id="{ECC85723-5F05-4E22-890D-0704C4CA5D3D}"/>
-              </a:ext>
-            </a:extLst>
-          </p:cNvPr>
-          <p:cNvSpPr/>
-          <p:nvPr/>
-        </p:nvSpPr>
-        <p:spPr>
-          <a:xfrm>
-            <a:off x="2291590" y="1207313"/>
-            <a:ext cx="6870112" cy="494527"/>
-          </a:xfrm>
-          <a:prstGeom prst="parallelogram">
-            <a:avLst>
-              <a:gd name="adj" fmla="val 0"/>
-            </a:avLst>
-          </a:prstGeom>
-          <a:solidFill>
-            <a:schemeClr val="bg1">
-              <a:lumMod val="50000"/>
-              <a:alpha val="72000"/>
-            </a:schemeClr>
-          </a:solidFill>
-          <a:ln>
-            <a:solidFill>
-              <a:schemeClr val="bg1">
-                <a:lumMod val="50000"/>
-              </a:schemeClr>
-            </a:solidFill>
-          </a:ln>
-        </p:spPr>
-        <p:style>
-          <a:lnRef idx="2">
-            <a:schemeClr val="accent1">
-              <a:shade val="50000"/>
-            </a:schemeClr>
-          </a:lnRef>
-          <a:fillRef idx="1">
-            <a:schemeClr val="accent1"/>
-          </a:fillRef>
-          <a:effectRef idx="0">
-            <a:schemeClr val="accent1"/>
-          </a:effectRef>
-          <a:fontRef idx="minor">
-            <a:schemeClr val="lt1"/>
-          </a:fontRef>
-        </p:style>
-        <p:txBody>
-          <a:bodyPr rtlCol="0" anchor="ctr"/>
-          <a:lstStyle/>
-          <a:p>
-            <a:pPr algn="ctr"/>
-            <a:endParaRPr lang="ko-KR" altLang="en-US"/>
-          </a:p>
-        </p:txBody>
-      </p:sp>
-      <p:sp>
-        <p:nvSpPr>
           <p:cNvPr id="35" name="평행 사변형 34">
             <a:extLst>
               <a:ext uri="{FF2B5EF4-FFF2-40B4-BE49-F238E27FC236}">
@@ -4394,7 +4333,7 @@
         </p:nvSpPr>
         <p:spPr>
           <a:xfrm rot="10800000">
-            <a:off x="8681621" y="1382083"/>
+            <a:off x="7481019" y="1900530"/>
             <a:ext cx="5651629" cy="3112315"/>
           </a:xfrm>
           <a:prstGeom prst="parallelogram">
@@ -4450,7 +4389,7 @@
         </p:nvSpPr>
         <p:spPr>
           <a:xfrm>
-            <a:off x="0" y="3220108"/>
+            <a:off x="1048624" y="1299030"/>
             <a:ext cx="3581399" cy="1292150"/>
           </a:xfrm>
           <a:prstGeom prst="triangle">
@@ -4465,6 +4404,1209 @@
           </a:solidFill>
           <a:ln>
             <a:noFill/>
+          </a:ln>
+        </p:spPr>
+        <p:style>
+          <a:lnRef idx="2">
+            <a:schemeClr val="accent1">
+              <a:shade val="50000"/>
+            </a:schemeClr>
+          </a:lnRef>
+          <a:fillRef idx="1">
+            <a:schemeClr val="accent1"/>
+          </a:fillRef>
+          <a:effectRef idx="0">
+            <a:schemeClr val="accent1"/>
+          </a:effectRef>
+          <a:fontRef idx="minor">
+            <a:schemeClr val="lt1"/>
+          </a:fontRef>
+        </p:style>
+        <p:txBody>
+          <a:bodyPr rtlCol="0" anchor="ctr"/>
+          <a:lstStyle/>
+          <a:p>
+            <a:pPr algn="ctr"/>
+            <a:endParaRPr lang="ko-KR" altLang="en-US"/>
+          </a:p>
+        </p:txBody>
+      </p:sp>
+      <p:sp>
+        <p:nvSpPr>
+          <p:cNvPr id="31" name="평행 사변형 30">
+            <a:extLst>
+              <a:ext uri="{FF2B5EF4-FFF2-40B4-BE49-F238E27FC236}">
+                <a16:creationId xmlns:a16="http://schemas.microsoft.com/office/drawing/2014/main" id="{5B7E186B-F343-4436-B114-B3F9D0AB58CF}"/>
+              </a:ext>
+            </a:extLst>
+          </p:cNvPr>
+          <p:cNvSpPr/>
+          <p:nvPr/>
+        </p:nvSpPr>
+        <p:spPr>
+          <a:xfrm>
+            <a:off x="-436227" y="4585964"/>
+            <a:ext cx="10544962" cy="805343"/>
+          </a:xfrm>
+          <a:prstGeom prst="parallelogram">
+            <a:avLst>
+              <a:gd name="adj" fmla="val 128125"/>
+            </a:avLst>
+          </a:prstGeom>
+          <a:noFill/>
+          <a:ln w="38100">
+            <a:solidFill>
+              <a:schemeClr val="tx1"/>
+            </a:solidFill>
+          </a:ln>
+        </p:spPr>
+        <p:style>
+          <a:lnRef idx="2">
+            <a:schemeClr val="accent1">
+              <a:shade val="50000"/>
+            </a:schemeClr>
+          </a:lnRef>
+          <a:fillRef idx="1">
+            <a:schemeClr val="accent1"/>
+          </a:fillRef>
+          <a:effectRef idx="0">
+            <a:schemeClr val="accent1"/>
+          </a:effectRef>
+          <a:fontRef idx="minor">
+            <a:schemeClr val="lt1"/>
+          </a:fontRef>
+        </p:style>
+        <p:txBody>
+          <a:bodyPr rtlCol="0" anchor="ctr"/>
+          <a:lstStyle/>
+          <a:p>
+            <a:pPr algn="ctr"/>
+            <a:endParaRPr lang="ko-KR" altLang="en-US"/>
+          </a:p>
+        </p:txBody>
+      </p:sp>
+      <p:cxnSp>
+        <p:nvCxnSpPr>
+          <p:cNvPr id="33" name="직선 연결선 32">
+            <a:extLst>
+              <a:ext uri="{FF2B5EF4-FFF2-40B4-BE49-F238E27FC236}">
+                <a16:creationId xmlns:a16="http://schemas.microsoft.com/office/drawing/2014/main" id="{959D3E06-0337-4541-ACD7-0AC3192C58DD}"/>
+              </a:ext>
+            </a:extLst>
+          </p:cNvPr>
+          <p:cNvCxnSpPr/>
+          <p:nvPr/>
+        </p:nvCxnSpPr>
+        <p:spPr>
+          <a:xfrm>
+            <a:off x="9085276" y="4703410"/>
+            <a:ext cx="713064" cy="0"/>
+          </a:xfrm>
+          <a:prstGeom prst="line">
+            <a:avLst/>
+          </a:prstGeom>
+          <a:ln w="38100">
+            <a:solidFill>
+              <a:schemeClr val="tx1"/>
+            </a:solidFill>
+          </a:ln>
+        </p:spPr>
+        <p:style>
+          <a:lnRef idx="1">
+            <a:schemeClr val="accent1"/>
+          </a:lnRef>
+          <a:fillRef idx="0">
+            <a:schemeClr val="accent1"/>
+          </a:fillRef>
+          <a:effectRef idx="0">
+            <a:schemeClr val="accent1"/>
+          </a:effectRef>
+          <a:fontRef idx="minor">
+            <a:schemeClr val="tx1"/>
+          </a:fontRef>
+        </p:style>
+      </p:cxnSp>
+      <p:cxnSp>
+        <p:nvCxnSpPr>
+          <p:cNvPr id="34" name="직선 연결선 33">
+            <a:extLst>
+              <a:ext uri="{FF2B5EF4-FFF2-40B4-BE49-F238E27FC236}">
+                <a16:creationId xmlns:a16="http://schemas.microsoft.com/office/drawing/2014/main" id="{B0182D62-53A3-4B5B-A1FB-514A42E4EE59}"/>
+              </a:ext>
+            </a:extLst>
+          </p:cNvPr>
+          <p:cNvCxnSpPr/>
+          <p:nvPr/>
+        </p:nvCxnSpPr>
+        <p:spPr>
+          <a:xfrm>
+            <a:off x="8964333" y="4799883"/>
+            <a:ext cx="713064" cy="0"/>
+          </a:xfrm>
+          <a:prstGeom prst="line">
+            <a:avLst/>
+          </a:prstGeom>
+          <a:ln w="38100">
+            <a:solidFill>
+              <a:schemeClr val="tx1"/>
+            </a:solidFill>
+          </a:ln>
+        </p:spPr>
+        <p:style>
+          <a:lnRef idx="1">
+            <a:schemeClr val="accent1"/>
+          </a:lnRef>
+          <a:fillRef idx="0">
+            <a:schemeClr val="accent1"/>
+          </a:fillRef>
+          <a:effectRef idx="0">
+            <a:schemeClr val="accent1"/>
+          </a:effectRef>
+          <a:fontRef idx="minor">
+            <a:schemeClr val="tx1"/>
+          </a:fontRef>
+        </p:style>
+      </p:cxnSp>
+      <p:cxnSp>
+        <p:nvCxnSpPr>
+          <p:cNvPr id="36" name="직선 연결선 35">
+            <a:extLst>
+              <a:ext uri="{FF2B5EF4-FFF2-40B4-BE49-F238E27FC236}">
+                <a16:creationId xmlns:a16="http://schemas.microsoft.com/office/drawing/2014/main" id="{2119185F-4866-4096-9120-0B46B6230F8F}"/>
+              </a:ext>
+            </a:extLst>
+          </p:cNvPr>
+          <p:cNvCxnSpPr/>
+          <p:nvPr/>
+        </p:nvCxnSpPr>
+        <p:spPr>
+          <a:xfrm>
+            <a:off x="8843392" y="4896356"/>
+            <a:ext cx="713064" cy="0"/>
+          </a:xfrm>
+          <a:prstGeom prst="line">
+            <a:avLst/>
+          </a:prstGeom>
+          <a:ln w="38100">
+            <a:solidFill>
+              <a:schemeClr val="tx1"/>
+            </a:solidFill>
+          </a:ln>
+        </p:spPr>
+        <p:style>
+          <a:lnRef idx="1">
+            <a:schemeClr val="accent1"/>
+          </a:lnRef>
+          <a:fillRef idx="0">
+            <a:schemeClr val="accent1"/>
+          </a:fillRef>
+          <a:effectRef idx="0">
+            <a:schemeClr val="accent1"/>
+          </a:effectRef>
+          <a:fontRef idx="minor">
+            <a:schemeClr val="tx1"/>
+          </a:fontRef>
+        </p:style>
+      </p:cxnSp>
+      <p:cxnSp>
+        <p:nvCxnSpPr>
+          <p:cNvPr id="37" name="직선 연결선 36">
+            <a:extLst>
+              <a:ext uri="{FF2B5EF4-FFF2-40B4-BE49-F238E27FC236}">
+                <a16:creationId xmlns:a16="http://schemas.microsoft.com/office/drawing/2014/main" id="{EB3B4E77-BD0D-4DBD-81F5-6586E1BC1579}"/>
+              </a:ext>
+            </a:extLst>
+          </p:cNvPr>
+          <p:cNvCxnSpPr/>
+          <p:nvPr/>
+        </p:nvCxnSpPr>
+        <p:spPr>
+          <a:xfrm>
+            <a:off x="8601510" y="5089302"/>
+            <a:ext cx="713064" cy="0"/>
+          </a:xfrm>
+          <a:prstGeom prst="line">
+            <a:avLst/>
+          </a:prstGeom>
+          <a:ln w="38100">
+            <a:solidFill>
+              <a:schemeClr val="tx1"/>
+            </a:solidFill>
+          </a:ln>
+        </p:spPr>
+        <p:style>
+          <a:lnRef idx="1">
+            <a:schemeClr val="accent1"/>
+          </a:lnRef>
+          <a:fillRef idx="0">
+            <a:schemeClr val="accent1"/>
+          </a:fillRef>
+          <a:effectRef idx="0">
+            <a:schemeClr val="accent1"/>
+          </a:effectRef>
+          <a:fontRef idx="minor">
+            <a:schemeClr val="tx1"/>
+          </a:fontRef>
+        </p:style>
+      </p:cxnSp>
+      <p:cxnSp>
+        <p:nvCxnSpPr>
+          <p:cNvPr id="39" name="직선 연결선 38">
+            <a:extLst>
+              <a:ext uri="{FF2B5EF4-FFF2-40B4-BE49-F238E27FC236}">
+                <a16:creationId xmlns:a16="http://schemas.microsoft.com/office/drawing/2014/main" id="{374C386C-041E-4ABA-8413-F34BCCAEDD47}"/>
+              </a:ext>
+            </a:extLst>
+          </p:cNvPr>
+          <p:cNvCxnSpPr/>
+          <p:nvPr/>
+        </p:nvCxnSpPr>
+        <p:spPr>
+          <a:xfrm>
+            <a:off x="8480569" y="5185775"/>
+            <a:ext cx="713064" cy="0"/>
+          </a:xfrm>
+          <a:prstGeom prst="line">
+            <a:avLst/>
+          </a:prstGeom>
+          <a:ln w="38100">
+            <a:solidFill>
+              <a:schemeClr val="tx1"/>
+            </a:solidFill>
+          </a:ln>
+        </p:spPr>
+        <p:style>
+          <a:lnRef idx="1">
+            <a:schemeClr val="accent1"/>
+          </a:lnRef>
+          <a:fillRef idx="0">
+            <a:schemeClr val="accent1"/>
+          </a:fillRef>
+          <a:effectRef idx="0">
+            <a:schemeClr val="accent1"/>
+          </a:effectRef>
+          <a:fontRef idx="minor">
+            <a:schemeClr val="tx1"/>
+          </a:fontRef>
+        </p:style>
+      </p:cxnSp>
+      <p:cxnSp>
+        <p:nvCxnSpPr>
+          <p:cNvPr id="40" name="직선 연결선 39">
+            <a:extLst>
+              <a:ext uri="{FF2B5EF4-FFF2-40B4-BE49-F238E27FC236}">
+                <a16:creationId xmlns:a16="http://schemas.microsoft.com/office/drawing/2014/main" id="{F8378EAE-B684-41D2-BCC7-FE75EFD97B71}"/>
+              </a:ext>
+            </a:extLst>
+          </p:cNvPr>
+          <p:cNvCxnSpPr/>
+          <p:nvPr/>
+        </p:nvCxnSpPr>
+        <p:spPr>
+          <a:xfrm>
+            <a:off x="8359628" y="5282250"/>
+            <a:ext cx="713064" cy="0"/>
+          </a:xfrm>
+          <a:prstGeom prst="line">
+            <a:avLst/>
+          </a:prstGeom>
+          <a:ln w="38100">
+            <a:solidFill>
+              <a:schemeClr val="tx1"/>
+            </a:solidFill>
+          </a:ln>
+        </p:spPr>
+        <p:style>
+          <a:lnRef idx="1">
+            <a:schemeClr val="accent1"/>
+          </a:lnRef>
+          <a:fillRef idx="0">
+            <a:schemeClr val="accent1"/>
+          </a:fillRef>
+          <a:effectRef idx="0">
+            <a:schemeClr val="accent1"/>
+          </a:effectRef>
+          <a:fontRef idx="minor">
+            <a:schemeClr val="tx1"/>
+          </a:fontRef>
+        </p:style>
+      </p:cxnSp>
+      <p:cxnSp>
+        <p:nvCxnSpPr>
+          <p:cNvPr id="41" name="직선 연결선 40">
+            <a:extLst>
+              <a:ext uri="{FF2B5EF4-FFF2-40B4-BE49-F238E27FC236}">
+                <a16:creationId xmlns:a16="http://schemas.microsoft.com/office/drawing/2014/main" id="{64530FD7-BB16-4D76-9F92-1332C9DB5CBF}"/>
+              </a:ext>
+            </a:extLst>
+          </p:cNvPr>
+          <p:cNvCxnSpPr/>
+          <p:nvPr/>
+        </p:nvCxnSpPr>
+        <p:spPr>
+          <a:xfrm>
+            <a:off x="7646564" y="4992829"/>
+            <a:ext cx="713064" cy="0"/>
+          </a:xfrm>
+          <a:prstGeom prst="line">
+            <a:avLst/>
+          </a:prstGeom>
+          <a:ln w="38100">
+            <a:solidFill>
+              <a:schemeClr val="tx1"/>
+            </a:solidFill>
+          </a:ln>
+        </p:spPr>
+        <p:style>
+          <a:lnRef idx="1">
+            <a:schemeClr val="accent1"/>
+          </a:lnRef>
+          <a:fillRef idx="0">
+            <a:schemeClr val="accent1"/>
+          </a:fillRef>
+          <a:effectRef idx="0">
+            <a:schemeClr val="accent1"/>
+          </a:effectRef>
+          <a:fontRef idx="minor">
+            <a:schemeClr val="tx1"/>
+          </a:fontRef>
+        </p:style>
+      </p:cxnSp>
+      <p:cxnSp>
+        <p:nvCxnSpPr>
+          <p:cNvPr id="42" name="직선 연결선 41">
+            <a:extLst>
+              <a:ext uri="{FF2B5EF4-FFF2-40B4-BE49-F238E27FC236}">
+                <a16:creationId xmlns:a16="http://schemas.microsoft.com/office/drawing/2014/main" id="{9D253A18-87A3-42B9-A556-4BC20AD141B9}"/>
+              </a:ext>
+            </a:extLst>
+          </p:cNvPr>
+          <p:cNvCxnSpPr/>
+          <p:nvPr/>
+        </p:nvCxnSpPr>
+        <p:spPr>
+          <a:xfrm>
+            <a:off x="6598641" y="4992829"/>
+            <a:ext cx="713064" cy="0"/>
+          </a:xfrm>
+          <a:prstGeom prst="line">
+            <a:avLst/>
+          </a:prstGeom>
+          <a:ln w="38100">
+            <a:solidFill>
+              <a:schemeClr val="tx1"/>
+            </a:solidFill>
+          </a:ln>
+        </p:spPr>
+        <p:style>
+          <a:lnRef idx="1">
+            <a:schemeClr val="accent1"/>
+          </a:lnRef>
+          <a:fillRef idx="0">
+            <a:schemeClr val="accent1"/>
+          </a:fillRef>
+          <a:effectRef idx="0">
+            <a:schemeClr val="accent1"/>
+          </a:effectRef>
+          <a:fontRef idx="minor">
+            <a:schemeClr val="tx1"/>
+          </a:fontRef>
+        </p:style>
+      </p:cxnSp>
+      <p:cxnSp>
+        <p:nvCxnSpPr>
+          <p:cNvPr id="43" name="직선 연결선 42">
+            <a:extLst>
+              <a:ext uri="{FF2B5EF4-FFF2-40B4-BE49-F238E27FC236}">
+                <a16:creationId xmlns:a16="http://schemas.microsoft.com/office/drawing/2014/main" id="{18D6C54B-3113-4266-B09F-FCCD7D930485}"/>
+              </a:ext>
+            </a:extLst>
+          </p:cNvPr>
+          <p:cNvCxnSpPr/>
+          <p:nvPr/>
+        </p:nvCxnSpPr>
+        <p:spPr>
+          <a:xfrm>
+            <a:off x="5550716" y="4992829"/>
+            <a:ext cx="713064" cy="0"/>
+          </a:xfrm>
+          <a:prstGeom prst="line">
+            <a:avLst/>
+          </a:prstGeom>
+          <a:ln w="38100">
+            <a:solidFill>
+              <a:schemeClr val="tx1"/>
+            </a:solidFill>
+          </a:ln>
+        </p:spPr>
+        <p:style>
+          <a:lnRef idx="1">
+            <a:schemeClr val="accent1"/>
+          </a:lnRef>
+          <a:fillRef idx="0">
+            <a:schemeClr val="accent1"/>
+          </a:fillRef>
+          <a:effectRef idx="0">
+            <a:schemeClr val="accent1"/>
+          </a:effectRef>
+          <a:fontRef idx="minor">
+            <a:schemeClr val="tx1"/>
+          </a:fontRef>
+        </p:style>
+      </p:cxnSp>
+      <p:cxnSp>
+        <p:nvCxnSpPr>
+          <p:cNvPr id="44" name="직선 연결선 43">
+            <a:extLst>
+              <a:ext uri="{FF2B5EF4-FFF2-40B4-BE49-F238E27FC236}">
+                <a16:creationId xmlns:a16="http://schemas.microsoft.com/office/drawing/2014/main" id="{EAF3CF0E-3F82-4072-8162-05527B72B6A6}"/>
+              </a:ext>
+            </a:extLst>
+          </p:cNvPr>
+          <p:cNvCxnSpPr/>
+          <p:nvPr/>
+        </p:nvCxnSpPr>
+        <p:spPr>
+          <a:xfrm>
+            <a:off x="4502791" y="4992829"/>
+            <a:ext cx="713064" cy="0"/>
+          </a:xfrm>
+          <a:prstGeom prst="line">
+            <a:avLst/>
+          </a:prstGeom>
+          <a:ln w="38100">
+            <a:solidFill>
+              <a:schemeClr val="tx1"/>
+            </a:solidFill>
+          </a:ln>
+        </p:spPr>
+        <p:style>
+          <a:lnRef idx="1">
+            <a:schemeClr val="accent1"/>
+          </a:lnRef>
+          <a:fillRef idx="0">
+            <a:schemeClr val="accent1"/>
+          </a:fillRef>
+          <a:effectRef idx="0">
+            <a:schemeClr val="accent1"/>
+          </a:effectRef>
+          <a:fontRef idx="minor">
+            <a:schemeClr val="tx1"/>
+          </a:fontRef>
+        </p:style>
+      </p:cxnSp>
+      <p:cxnSp>
+        <p:nvCxnSpPr>
+          <p:cNvPr id="45" name="직선 연결선 44">
+            <a:extLst>
+              <a:ext uri="{FF2B5EF4-FFF2-40B4-BE49-F238E27FC236}">
+                <a16:creationId xmlns:a16="http://schemas.microsoft.com/office/drawing/2014/main" id="{8D069255-11D7-4B06-864E-9DA26B62C260}"/>
+              </a:ext>
+            </a:extLst>
+          </p:cNvPr>
+          <p:cNvCxnSpPr/>
+          <p:nvPr/>
+        </p:nvCxnSpPr>
+        <p:spPr>
+          <a:xfrm>
+            <a:off x="3454866" y="4992829"/>
+            <a:ext cx="713064" cy="0"/>
+          </a:xfrm>
+          <a:prstGeom prst="line">
+            <a:avLst/>
+          </a:prstGeom>
+          <a:ln w="38100">
+            <a:solidFill>
+              <a:schemeClr val="tx1"/>
+            </a:solidFill>
+          </a:ln>
+        </p:spPr>
+        <p:style>
+          <a:lnRef idx="1">
+            <a:schemeClr val="accent1"/>
+          </a:lnRef>
+          <a:fillRef idx="0">
+            <a:schemeClr val="accent1"/>
+          </a:fillRef>
+          <a:effectRef idx="0">
+            <a:schemeClr val="accent1"/>
+          </a:effectRef>
+          <a:fontRef idx="minor">
+            <a:schemeClr val="tx1"/>
+          </a:fontRef>
+        </p:style>
+      </p:cxnSp>
+      <p:cxnSp>
+        <p:nvCxnSpPr>
+          <p:cNvPr id="46" name="직선 연결선 45">
+            <a:extLst>
+              <a:ext uri="{FF2B5EF4-FFF2-40B4-BE49-F238E27FC236}">
+                <a16:creationId xmlns:a16="http://schemas.microsoft.com/office/drawing/2014/main" id="{6185A6AE-12FC-4B7F-8756-B7602FC69416}"/>
+              </a:ext>
+            </a:extLst>
+          </p:cNvPr>
+          <p:cNvCxnSpPr/>
+          <p:nvPr/>
+        </p:nvCxnSpPr>
+        <p:spPr>
+          <a:xfrm>
+            <a:off x="2406941" y="4992829"/>
+            <a:ext cx="713064" cy="0"/>
+          </a:xfrm>
+          <a:prstGeom prst="line">
+            <a:avLst/>
+          </a:prstGeom>
+          <a:ln w="38100">
+            <a:solidFill>
+              <a:schemeClr val="tx1"/>
+            </a:solidFill>
+          </a:ln>
+        </p:spPr>
+        <p:style>
+          <a:lnRef idx="1">
+            <a:schemeClr val="accent1"/>
+          </a:lnRef>
+          <a:fillRef idx="0">
+            <a:schemeClr val="accent1"/>
+          </a:fillRef>
+          <a:effectRef idx="0">
+            <a:schemeClr val="accent1"/>
+          </a:effectRef>
+          <a:fontRef idx="minor">
+            <a:schemeClr val="tx1"/>
+          </a:fontRef>
+        </p:style>
+      </p:cxnSp>
+      <p:cxnSp>
+        <p:nvCxnSpPr>
+          <p:cNvPr id="47" name="직선 연결선 46">
+            <a:extLst>
+              <a:ext uri="{FF2B5EF4-FFF2-40B4-BE49-F238E27FC236}">
+                <a16:creationId xmlns:a16="http://schemas.microsoft.com/office/drawing/2014/main" id="{18AF7E4E-4C05-46A9-AD14-43AAF16A0E45}"/>
+              </a:ext>
+            </a:extLst>
+          </p:cNvPr>
+          <p:cNvCxnSpPr/>
+          <p:nvPr/>
+        </p:nvCxnSpPr>
+        <p:spPr>
+          <a:xfrm>
+            <a:off x="1359016" y="4992829"/>
+            <a:ext cx="713064" cy="0"/>
+          </a:xfrm>
+          <a:prstGeom prst="line">
+            <a:avLst/>
+          </a:prstGeom>
+          <a:ln w="38100">
+            <a:solidFill>
+              <a:schemeClr val="tx1"/>
+            </a:solidFill>
+          </a:ln>
+        </p:spPr>
+        <p:style>
+          <a:lnRef idx="1">
+            <a:schemeClr val="accent1"/>
+          </a:lnRef>
+          <a:fillRef idx="0">
+            <a:schemeClr val="accent1"/>
+          </a:fillRef>
+          <a:effectRef idx="0">
+            <a:schemeClr val="accent1"/>
+          </a:effectRef>
+          <a:fontRef idx="minor">
+            <a:schemeClr val="tx1"/>
+          </a:fontRef>
+        </p:style>
+      </p:cxnSp>
+      <p:cxnSp>
+        <p:nvCxnSpPr>
+          <p:cNvPr id="48" name="직선 연결선 47">
+            <a:extLst>
+              <a:ext uri="{FF2B5EF4-FFF2-40B4-BE49-F238E27FC236}">
+                <a16:creationId xmlns:a16="http://schemas.microsoft.com/office/drawing/2014/main" id="{D8EB2C6D-AC5F-4731-96E1-CFF64342F6DE}"/>
+              </a:ext>
+            </a:extLst>
+          </p:cNvPr>
+          <p:cNvCxnSpPr/>
+          <p:nvPr/>
+        </p:nvCxnSpPr>
+        <p:spPr>
+          <a:xfrm>
+            <a:off x="645952" y="4703410"/>
+            <a:ext cx="713064" cy="0"/>
+          </a:xfrm>
+          <a:prstGeom prst="line">
+            <a:avLst/>
+          </a:prstGeom>
+          <a:ln w="38100">
+            <a:solidFill>
+              <a:schemeClr val="tx1"/>
+            </a:solidFill>
+          </a:ln>
+        </p:spPr>
+        <p:style>
+          <a:lnRef idx="1">
+            <a:schemeClr val="accent1"/>
+          </a:lnRef>
+          <a:fillRef idx="0">
+            <a:schemeClr val="accent1"/>
+          </a:fillRef>
+          <a:effectRef idx="0">
+            <a:schemeClr val="accent1"/>
+          </a:effectRef>
+          <a:fontRef idx="minor">
+            <a:schemeClr val="tx1"/>
+          </a:fontRef>
+        </p:style>
+      </p:cxnSp>
+      <p:cxnSp>
+        <p:nvCxnSpPr>
+          <p:cNvPr id="49" name="직선 연결선 48">
+            <a:extLst>
+              <a:ext uri="{FF2B5EF4-FFF2-40B4-BE49-F238E27FC236}">
+                <a16:creationId xmlns:a16="http://schemas.microsoft.com/office/drawing/2014/main" id="{F6A50D77-6E3A-4018-9238-86D0E8808316}"/>
+              </a:ext>
+            </a:extLst>
+          </p:cNvPr>
+          <p:cNvCxnSpPr/>
+          <p:nvPr/>
+        </p:nvCxnSpPr>
+        <p:spPr>
+          <a:xfrm>
+            <a:off x="525009" y="4799883"/>
+            <a:ext cx="713064" cy="0"/>
+          </a:xfrm>
+          <a:prstGeom prst="line">
+            <a:avLst/>
+          </a:prstGeom>
+          <a:ln w="38100">
+            <a:solidFill>
+              <a:schemeClr val="tx1"/>
+            </a:solidFill>
+          </a:ln>
+        </p:spPr>
+        <p:style>
+          <a:lnRef idx="1">
+            <a:schemeClr val="accent1"/>
+          </a:lnRef>
+          <a:fillRef idx="0">
+            <a:schemeClr val="accent1"/>
+          </a:fillRef>
+          <a:effectRef idx="0">
+            <a:schemeClr val="accent1"/>
+          </a:effectRef>
+          <a:fontRef idx="minor">
+            <a:schemeClr val="tx1"/>
+          </a:fontRef>
+        </p:style>
+      </p:cxnSp>
+      <p:cxnSp>
+        <p:nvCxnSpPr>
+          <p:cNvPr id="50" name="직선 연결선 49">
+            <a:extLst>
+              <a:ext uri="{FF2B5EF4-FFF2-40B4-BE49-F238E27FC236}">
+                <a16:creationId xmlns:a16="http://schemas.microsoft.com/office/drawing/2014/main" id="{B48CCCFF-9AD6-4E01-86FA-154D39F1998C}"/>
+              </a:ext>
+            </a:extLst>
+          </p:cNvPr>
+          <p:cNvCxnSpPr/>
+          <p:nvPr/>
+        </p:nvCxnSpPr>
+        <p:spPr>
+          <a:xfrm>
+            <a:off x="404068" y="4896356"/>
+            <a:ext cx="713064" cy="0"/>
+          </a:xfrm>
+          <a:prstGeom prst="line">
+            <a:avLst/>
+          </a:prstGeom>
+          <a:ln w="38100">
+            <a:solidFill>
+              <a:schemeClr val="tx1"/>
+            </a:solidFill>
+          </a:ln>
+        </p:spPr>
+        <p:style>
+          <a:lnRef idx="1">
+            <a:schemeClr val="accent1"/>
+          </a:lnRef>
+          <a:fillRef idx="0">
+            <a:schemeClr val="accent1"/>
+          </a:fillRef>
+          <a:effectRef idx="0">
+            <a:schemeClr val="accent1"/>
+          </a:effectRef>
+          <a:fontRef idx="minor">
+            <a:schemeClr val="tx1"/>
+          </a:fontRef>
+        </p:style>
+      </p:cxnSp>
+      <p:cxnSp>
+        <p:nvCxnSpPr>
+          <p:cNvPr id="51" name="직선 연결선 50">
+            <a:extLst>
+              <a:ext uri="{FF2B5EF4-FFF2-40B4-BE49-F238E27FC236}">
+                <a16:creationId xmlns:a16="http://schemas.microsoft.com/office/drawing/2014/main" id="{9CC187AF-7AEF-4BDE-AAA2-7FF7F9CFA44D}"/>
+              </a:ext>
+            </a:extLst>
+          </p:cNvPr>
+          <p:cNvCxnSpPr/>
+          <p:nvPr/>
+        </p:nvCxnSpPr>
+        <p:spPr>
+          <a:xfrm>
+            <a:off x="162186" y="5089302"/>
+            <a:ext cx="713064" cy="0"/>
+          </a:xfrm>
+          <a:prstGeom prst="line">
+            <a:avLst/>
+          </a:prstGeom>
+          <a:ln w="38100">
+            <a:solidFill>
+              <a:schemeClr val="tx1"/>
+            </a:solidFill>
+          </a:ln>
+        </p:spPr>
+        <p:style>
+          <a:lnRef idx="1">
+            <a:schemeClr val="accent1"/>
+          </a:lnRef>
+          <a:fillRef idx="0">
+            <a:schemeClr val="accent1"/>
+          </a:fillRef>
+          <a:effectRef idx="0">
+            <a:schemeClr val="accent1"/>
+          </a:effectRef>
+          <a:fontRef idx="minor">
+            <a:schemeClr val="tx1"/>
+          </a:fontRef>
+        </p:style>
+      </p:cxnSp>
+      <p:cxnSp>
+        <p:nvCxnSpPr>
+          <p:cNvPr id="52" name="직선 연결선 51">
+            <a:extLst>
+              <a:ext uri="{FF2B5EF4-FFF2-40B4-BE49-F238E27FC236}">
+                <a16:creationId xmlns:a16="http://schemas.microsoft.com/office/drawing/2014/main" id="{0879E89C-D46B-4151-A634-B83606D4DEB2}"/>
+              </a:ext>
+            </a:extLst>
+          </p:cNvPr>
+          <p:cNvCxnSpPr/>
+          <p:nvPr/>
+        </p:nvCxnSpPr>
+        <p:spPr>
+          <a:xfrm>
+            <a:off x="41245" y="5185775"/>
+            <a:ext cx="713064" cy="0"/>
+          </a:xfrm>
+          <a:prstGeom prst="line">
+            <a:avLst/>
+          </a:prstGeom>
+          <a:ln w="38100">
+            <a:solidFill>
+              <a:schemeClr val="tx1"/>
+            </a:solidFill>
+          </a:ln>
+        </p:spPr>
+        <p:style>
+          <a:lnRef idx="1">
+            <a:schemeClr val="accent1"/>
+          </a:lnRef>
+          <a:fillRef idx="0">
+            <a:schemeClr val="accent1"/>
+          </a:fillRef>
+          <a:effectRef idx="0">
+            <a:schemeClr val="accent1"/>
+          </a:effectRef>
+          <a:fontRef idx="minor">
+            <a:schemeClr val="tx1"/>
+          </a:fontRef>
+        </p:style>
+      </p:cxnSp>
+      <p:cxnSp>
+        <p:nvCxnSpPr>
+          <p:cNvPr id="53" name="직선 연결선 52">
+            <a:extLst>
+              <a:ext uri="{FF2B5EF4-FFF2-40B4-BE49-F238E27FC236}">
+                <a16:creationId xmlns:a16="http://schemas.microsoft.com/office/drawing/2014/main" id="{9686DFFE-3303-4852-BD90-1EACB1737124}"/>
+              </a:ext>
+            </a:extLst>
+          </p:cNvPr>
+          <p:cNvCxnSpPr/>
+          <p:nvPr/>
+        </p:nvCxnSpPr>
+        <p:spPr>
+          <a:xfrm>
+            <a:off x="-79696" y="5282250"/>
+            <a:ext cx="713064" cy="0"/>
+          </a:xfrm>
+          <a:prstGeom prst="line">
+            <a:avLst/>
+          </a:prstGeom>
+          <a:ln w="38100">
+            <a:solidFill>
+              <a:schemeClr val="tx1"/>
+            </a:solidFill>
+          </a:ln>
+        </p:spPr>
+        <p:style>
+          <a:lnRef idx="1">
+            <a:schemeClr val="accent1"/>
+          </a:lnRef>
+          <a:fillRef idx="0">
+            <a:schemeClr val="accent1"/>
+          </a:fillRef>
+          <a:effectRef idx="0">
+            <a:schemeClr val="accent1"/>
+          </a:effectRef>
+          <a:fontRef idx="minor">
+            <a:schemeClr val="tx1"/>
+          </a:fontRef>
+        </p:style>
+      </p:cxnSp>
+      <p:cxnSp>
+        <p:nvCxnSpPr>
+          <p:cNvPr id="3" name="직선 화살표 연결선 2">
+            <a:extLst>
+              <a:ext uri="{FF2B5EF4-FFF2-40B4-BE49-F238E27FC236}">
+                <a16:creationId xmlns:a16="http://schemas.microsoft.com/office/drawing/2014/main" id="{144CBE13-9580-44C4-BD02-4BF06FEFF040}"/>
+              </a:ext>
+            </a:extLst>
+          </p:cNvPr>
+          <p:cNvCxnSpPr/>
+          <p:nvPr/>
+        </p:nvCxnSpPr>
+        <p:spPr>
+          <a:xfrm>
+            <a:off x="1715548" y="2684477"/>
+            <a:ext cx="2911300" cy="0"/>
+          </a:xfrm>
+          <a:prstGeom prst="straightConnector1">
+            <a:avLst/>
+          </a:prstGeom>
+          <a:ln w="28575">
+            <a:solidFill>
+              <a:schemeClr val="accent1">
+                <a:lumMod val="60000"/>
+                <a:lumOff val="40000"/>
+              </a:schemeClr>
+            </a:solidFill>
+            <a:headEnd type="stealth"/>
+            <a:tailEnd type="triangle"/>
+          </a:ln>
+        </p:spPr>
+        <p:style>
+          <a:lnRef idx="1">
+            <a:schemeClr val="accent1"/>
+          </a:lnRef>
+          <a:fillRef idx="0">
+            <a:schemeClr val="accent1"/>
+          </a:fillRef>
+          <a:effectRef idx="0">
+            <a:schemeClr val="accent1"/>
+          </a:effectRef>
+          <a:fontRef idx="minor">
+            <a:schemeClr val="tx1"/>
+          </a:fontRef>
+        </p:style>
+      </p:cxnSp>
+      <p:sp>
+        <p:nvSpPr>
+          <p:cNvPr id="25" name="TextBox 24">
+            <a:extLst>
+              <a:ext uri="{FF2B5EF4-FFF2-40B4-BE49-F238E27FC236}">
+                <a16:creationId xmlns:a16="http://schemas.microsoft.com/office/drawing/2014/main" id="{EFD7C843-4124-47B9-8FCB-8D74E586A407}"/>
+              </a:ext>
+            </a:extLst>
+          </p:cNvPr>
+          <p:cNvSpPr txBox="1"/>
+          <p:nvPr/>
+        </p:nvSpPr>
+        <p:spPr>
+          <a:xfrm>
+            <a:off x="4553180" y="2374229"/>
+            <a:ext cx="732893" cy="230832"/>
+          </a:xfrm>
+          <a:prstGeom prst="rect">
+            <a:avLst/>
+          </a:prstGeom>
+          <a:noFill/>
+        </p:spPr>
+        <p:txBody>
+          <a:bodyPr wrap="none" rtlCol="0">
+            <a:spAutoFit/>
+          </a:bodyPr>
+          <a:lstStyle/>
+          <a:p>
+            <a:r>
+              <a:rPr lang="en-US" altLang="ko-KR" sz="900" b="1" dirty="0"/>
+              <a:t>Wheel On</a:t>
+            </a:r>
+            <a:endParaRPr lang="ko-KR" altLang="en-US" sz="900" b="1" dirty="0"/>
+          </a:p>
+        </p:txBody>
+      </p:sp>
+      <p:sp>
+        <p:nvSpPr>
+          <p:cNvPr id="55" name="TextBox 54">
+            <a:extLst>
+              <a:ext uri="{FF2B5EF4-FFF2-40B4-BE49-F238E27FC236}">
+                <a16:creationId xmlns:a16="http://schemas.microsoft.com/office/drawing/2014/main" id="{72941A2F-D8FC-4E58-A714-98398150F196}"/>
+              </a:ext>
+            </a:extLst>
+          </p:cNvPr>
+          <p:cNvSpPr txBox="1"/>
+          <p:nvPr/>
+        </p:nvSpPr>
+        <p:spPr>
+          <a:xfrm>
+            <a:off x="6784369" y="4768756"/>
+            <a:ext cx="748923" cy="230832"/>
+          </a:xfrm>
+          <a:prstGeom prst="rect">
+            <a:avLst/>
+          </a:prstGeom>
+          <a:noFill/>
+        </p:spPr>
+        <p:txBody>
+          <a:bodyPr wrap="none" rtlCol="0">
+            <a:spAutoFit/>
+          </a:bodyPr>
+          <a:lstStyle/>
+          <a:p>
+            <a:r>
+              <a:rPr lang="en-US" altLang="ko-KR" sz="900" b="1" dirty="0"/>
+              <a:t>Wheel Off</a:t>
+            </a:r>
+            <a:endParaRPr lang="ko-KR" altLang="en-US" sz="900" b="1" dirty="0"/>
+          </a:p>
+        </p:txBody>
+      </p:sp>
+      <p:cxnSp>
+        <p:nvCxnSpPr>
+          <p:cNvPr id="56" name="직선 화살표 연결선 55">
+            <a:extLst>
+              <a:ext uri="{FF2B5EF4-FFF2-40B4-BE49-F238E27FC236}">
+                <a16:creationId xmlns:a16="http://schemas.microsoft.com/office/drawing/2014/main" id="{46DB571D-B204-4674-A7FD-56842ADFF909}"/>
+              </a:ext>
+            </a:extLst>
+          </p:cNvPr>
+          <p:cNvCxnSpPr>
+            <a:cxnSpLocks/>
+          </p:cNvCxnSpPr>
+          <p:nvPr/>
+        </p:nvCxnSpPr>
+        <p:spPr>
+          <a:xfrm flipV="1">
+            <a:off x="1715548" y="1604513"/>
+            <a:ext cx="0" cy="1087377"/>
+          </a:xfrm>
+          <a:prstGeom prst="straightConnector1">
+            <a:avLst/>
+          </a:prstGeom>
+          <a:ln w="28575">
+            <a:solidFill>
+              <a:schemeClr val="accent1">
+                <a:lumMod val="60000"/>
+                <a:lumOff val="40000"/>
+              </a:schemeClr>
+            </a:solidFill>
+            <a:headEnd type="stealth"/>
+            <a:tailEnd type="triangle"/>
+          </a:ln>
+        </p:spPr>
+        <p:style>
+          <a:lnRef idx="1">
+            <a:schemeClr val="accent1"/>
+          </a:lnRef>
+          <a:fillRef idx="0">
+            <a:schemeClr val="accent1"/>
+          </a:fillRef>
+          <a:effectRef idx="0">
+            <a:schemeClr val="accent1"/>
+          </a:effectRef>
+          <a:fontRef idx="minor">
+            <a:schemeClr val="tx1"/>
+          </a:fontRef>
+        </p:style>
+      </p:cxnSp>
+      <p:sp>
+        <p:nvSpPr>
+          <p:cNvPr id="57" name="TextBox 56">
+            <a:extLst>
+              <a:ext uri="{FF2B5EF4-FFF2-40B4-BE49-F238E27FC236}">
+                <a16:creationId xmlns:a16="http://schemas.microsoft.com/office/drawing/2014/main" id="{96B3A24D-9E00-4BF8-92DF-267A4675F5A5}"/>
+              </a:ext>
+            </a:extLst>
+          </p:cNvPr>
+          <p:cNvSpPr txBox="1"/>
+          <p:nvPr/>
+        </p:nvSpPr>
+        <p:spPr>
+          <a:xfrm>
+            <a:off x="2883975" y="2702145"/>
+            <a:ext cx="673582" cy="230832"/>
+          </a:xfrm>
+          <a:prstGeom prst="rect">
+            <a:avLst/>
+          </a:prstGeom>
+          <a:noFill/>
+        </p:spPr>
+        <p:txBody>
+          <a:bodyPr wrap="none" rtlCol="0">
+            <a:spAutoFit/>
+          </a:bodyPr>
+          <a:lstStyle/>
+          <a:p>
+            <a:r>
+              <a:rPr lang="en-US" altLang="ko-KR" sz="900" dirty="0">
+                <a:solidFill>
+                  <a:schemeClr val="accent1">
+                    <a:lumMod val="60000"/>
+                    <a:lumOff val="40000"/>
+                  </a:schemeClr>
+                </a:solidFill>
+                <a:latin typeface="맑은 고딕" panose="020B0503020000020004" pitchFamily="50" charset="-127"/>
+                <a:ea typeface="맑은 고딕" panose="020B0503020000020004" pitchFamily="50" charset="-127"/>
+              </a:rPr>
+              <a:t>≒ 1.5NM</a:t>
+            </a:r>
+            <a:endParaRPr lang="ko-KR" altLang="en-US" sz="900" dirty="0">
+              <a:solidFill>
+                <a:schemeClr val="accent1">
+                  <a:lumMod val="60000"/>
+                  <a:lumOff val="40000"/>
+                </a:schemeClr>
+              </a:solidFill>
+            </a:endParaRPr>
+          </a:p>
+        </p:txBody>
+      </p:sp>
+      <p:sp>
+        <p:nvSpPr>
+          <p:cNvPr id="60" name="TextBox 59">
+            <a:extLst>
+              <a:ext uri="{FF2B5EF4-FFF2-40B4-BE49-F238E27FC236}">
+                <a16:creationId xmlns:a16="http://schemas.microsoft.com/office/drawing/2014/main" id="{CD6504EA-2E24-46A5-9948-8A098DED16B4}"/>
+              </a:ext>
+            </a:extLst>
+          </p:cNvPr>
+          <p:cNvSpPr txBox="1"/>
+          <p:nvPr/>
+        </p:nvSpPr>
+        <p:spPr>
+          <a:xfrm>
+            <a:off x="1694908" y="2055168"/>
+            <a:ext cx="572593" cy="230832"/>
+          </a:xfrm>
+          <a:prstGeom prst="rect">
+            <a:avLst/>
+          </a:prstGeom>
+          <a:noFill/>
+        </p:spPr>
+        <p:txBody>
+          <a:bodyPr wrap="none" rtlCol="0">
+            <a:spAutoFit/>
+          </a:bodyPr>
+          <a:lstStyle/>
+          <a:p>
+            <a:r>
+              <a:rPr lang="en-US" altLang="ko-KR" sz="900" dirty="0">
+                <a:solidFill>
+                  <a:schemeClr val="accent1">
+                    <a:lumMod val="60000"/>
+                    <a:lumOff val="40000"/>
+                  </a:schemeClr>
+                </a:solidFill>
+                <a:latin typeface="맑은 고딕" panose="020B0503020000020004" pitchFamily="50" charset="-127"/>
+                <a:ea typeface="맑은 고딕" panose="020B0503020000020004" pitchFamily="50" charset="-127"/>
+              </a:rPr>
+              <a:t>≒ 500ft</a:t>
+            </a:r>
+            <a:endParaRPr lang="ko-KR" altLang="en-US" sz="900" dirty="0">
+              <a:solidFill>
+                <a:schemeClr val="accent1">
+                  <a:lumMod val="60000"/>
+                  <a:lumOff val="40000"/>
+                </a:schemeClr>
+              </a:solidFill>
+            </a:endParaRPr>
+          </a:p>
+        </p:txBody>
+      </p:sp>
+      <p:sp>
+        <p:nvSpPr>
+          <p:cNvPr id="61" name="타원 60">
+            <a:extLst>
+              <a:ext uri="{FF2B5EF4-FFF2-40B4-BE49-F238E27FC236}">
+                <a16:creationId xmlns:a16="http://schemas.microsoft.com/office/drawing/2014/main" id="{5B2863CC-2FFE-4122-A898-888CC57F5F7A}"/>
+              </a:ext>
+            </a:extLst>
+          </p:cNvPr>
+          <p:cNvSpPr/>
+          <p:nvPr/>
+        </p:nvSpPr>
+        <p:spPr>
+          <a:xfrm>
+            <a:off x="7387204" y="4957644"/>
+            <a:ext cx="93678" cy="93678"/>
+          </a:xfrm>
+          <a:prstGeom prst="ellipse">
+            <a:avLst/>
+          </a:prstGeom>
+        </p:spPr>
+        <p:style>
+          <a:lnRef idx="2">
+            <a:schemeClr val="accent1">
+              <a:shade val="50000"/>
+            </a:schemeClr>
+          </a:lnRef>
+          <a:fillRef idx="1">
+            <a:schemeClr val="accent1"/>
+          </a:fillRef>
+          <a:effectRef idx="0">
+            <a:schemeClr val="accent1"/>
+          </a:effectRef>
+          <a:fontRef idx="minor">
+            <a:schemeClr val="lt1"/>
+          </a:fontRef>
+        </p:style>
+        <p:txBody>
+          <a:bodyPr rtlCol="0" anchor="ctr"/>
+          <a:lstStyle/>
+          <a:p>
+            <a:pPr algn="ctr"/>
+            <a:endParaRPr lang="ko-KR" altLang="en-US"/>
+          </a:p>
+        </p:txBody>
+      </p:sp>
+      <p:sp>
+        <p:nvSpPr>
+          <p:cNvPr id="62" name="타원 61">
+            <a:extLst>
+              <a:ext uri="{FF2B5EF4-FFF2-40B4-BE49-F238E27FC236}">
+                <a16:creationId xmlns:a16="http://schemas.microsoft.com/office/drawing/2014/main" id="{75D02FEE-8238-49E7-819B-E45499C8BACE}"/>
+              </a:ext>
+            </a:extLst>
+          </p:cNvPr>
+          <p:cNvSpPr/>
+          <p:nvPr/>
+        </p:nvSpPr>
+        <p:spPr>
+          <a:xfrm>
+            <a:off x="4581389" y="2515089"/>
+            <a:ext cx="93678" cy="93678"/>
+          </a:xfrm>
+          <a:prstGeom prst="ellipse">
+            <a:avLst/>
+          </a:prstGeom>
+          <a:solidFill>
+            <a:srgbClr val="FF0000"/>
+          </a:solidFill>
+          <a:ln>
+            <a:solidFill>
+              <a:srgbClr val="FF0000"/>
+            </a:solidFill>
           </a:ln>
         </p:spPr>
         <p:style>
